--- a/Assets/StreamingAssets/2D_Objects/ID/WaterMaze.pptx
+++ b/Assets/StreamingAssets/2D_Objects/ID/WaterMaze.pptx
@@ -278,7 +278,7 @@
           <a:p>
             <a:fld id="{43D9F887-C526-42E2-BE1C-7F1C55940A26}" type="datetimeFigureOut">
               <a:rPr lang="en-US" smtClean="0"/>
-              <a:t>3/26/2020</a:t>
+              <a:t>5/9/2020</a:t>
             </a:fld>
             <a:endParaRPr lang="en-US"/>
           </a:p>
@@ -476,7 +476,7 @@
           <a:p>
             <a:fld id="{43D9F887-C526-42E2-BE1C-7F1C55940A26}" type="datetimeFigureOut">
               <a:rPr lang="en-US" smtClean="0"/>
-              <a:t>3/26/2020</a:t>
+              <a:t>5/9/2020</a:t>
             </a:fld>
             <a:endParaRPr lang="en-US"/>
           </a:p>
@@ -684,7 +684,7 @@
           <a:p>
             <a:fld id="{43D9F887-C526-42E2-BE1C-7F1C55940A26}" type="datetimeFigureOut">
               <a:rPr lang="en-US" smtClean="0"/>
-              <a:t>3/26/2020</a:t>
+              <a:t>5/9/2020</a:t>
             </a:fld>
             <a:endParaRPr lang="en-US"/>
           </a:p>
@@ -882,7 +882,7 @@
           <a:p>
             <a:fld id="{43D9F887-C526-42E2-BE1C-7F1C55940A26}" type="datetimeFigureOut">
               <a:rPr lang="en-US" smtClean="0"/>
-              <a:t>3/26/2020</a:t>
+              <a:t>5/9/2020</a:t>
             </a:fld>
             <a:endParaRPr lang="en-US"/>
           </a:p>
@@ -1157,7 +1157,7 @@
           <a:p>
             <a:fld id="{43D9F887-C526-42E2-BE1C-7F1C55940A26}" type="datetimeFigureOut">
               <a:rPr lang="en-US" smtClean="0"/>
-              <a:t>3/26/2020</a:t>
+              <a:t>5/9/2020</a:t>
             </a:fld>
             <a:endParaRPr lang="en-US"/>
           </a:p>
@@ -1422,7 +1422,7 @@
           <a:p>
             <a:fld id="{43D9F887-C526-42E2-BE1C-7F1C55940A26}" type="datetimeFigureOut">
               <a:rPr lang="en-US" smtClean="0"/>
-              <a:t>3/26/2020</a:t>
+              <a:t>5/9/2020</a:t>
             </a:fld>
             <a:endParaRPr lang="en-US"/>
           </a:p>
@@ -1834,7 +1834,7 @@
           <a:p>
             <a:fld id="{43D9F887-C526-42E2-BE1C-7F1C55940A26}" type="datetimeFigureOut">
               <a:rPr lang="en-US" smtClean="0"/>
-              <a:t>3/26/2020</a:t>
+              <a:t>5/9/2020</a:t>
             </a:fld>
             <a:endParaRPr lang="en-US"/>
           </a:p>
@@ -1975,7 +1975,7 @@
           <a:p>
             <a:fld id="{43D9F887-C526-42E2-BE1C-7F1C55940A26}" type="datetimeFigureOut">
               <a:rPr lang="en-US" smtClean="0"/>
-              <a:t>3/26/2020</a:t>
+              <a:t>5/9/2020</a:t>
             </a:fld>
             <a:endParaRPr lang="en-US"/>
           </a:p>
@@ -2088,7 +2088,7 @@
           <a:p>
             <a:fld id="{43D9F887-C526-42E2-BE1C-7F1C55940A26}" type="datetimeFigureOut">
               <a:rPr lang="en-US" smtClean="0"/>
-              <a:t>3/26/2020</a:t>
+              <a:t>5/9/2020</a:t>
             </a:fld>
             <a:endParaRPr lang="en-US"/>
           </a:p>
@@ -2399,7 +2399,7 @@
           <a:p>
             <a:fld id="{43D9F887-C526-42E2-BE1C-7F1C55940A26}" type="datetimeFigureOut">
               <a:rPr lang="en-US" smtClean="0"/>
-              <a:t>3/26/2020</a:t>
+              <a:t>5/9/2020</a:t>
             </a:fld>
             <a:endParaRPr lang="en-US"/>
           </a:p>
@@ -2687,7 +2687,7 @@
           <a:p>
             <a:fld id="{43D9F887-C526-42E2-BE1C-7F1C55940A26}" type="datetimeFigureOut">
               <a:rPr lang="en-US" smtClean="0"/>
-              <a:t>3/26/2020</a:t>
+              <a:t>5/9/2020</a:t>
             </a:fld>
             <a:endParaRPr lang="en-US"/>
           </a:p>
@@ -2928,7 +2928,7 @@
           <a:p>
             <a:fld id="{43D9F887-C526-42E2-BE1C-7F1C55940A26}" type="datetimeFigureOut">
               <a:rPr lang="en-US" smtClean="0"/>
-              <a:t>3/26/2020</a:t>
+              <a:t>5/9/2020</a:t>
             </a:fld>
             <a:endParaRPr lang="en-US"/>
           </a:p>
@@ -3789,7 +3789,7 @@
             <a:noFill/>
             <a:extLst>
               <a:ext uri="{909E8E84-426E-40dd-AFC4-6F175D3DCCD1}">
-                <a14:hiddenFill xmlns:a14="http://schemas.microsoft.com/office/drawing/2010/main" xmlns="">
+                <a14:hiddenFill xmlns="" xmlns:a14="http://schemas.microsoft.com/office/drawing/2010/main">
                   <a:solidFill>
                     <a:srgbClr val="FFFFFF"/>
                   </a:solidFill>
@@ -4991,7 +4991,7 @@
             <a:noFill/>
             <a:extLst>
               <a:ext uri="{909E8E84-426E-40dd-AFC4-6F175D3DCCD1}">
-                <a14:hiddenFill xmlns:a14="http://schemas.microsoft.com/office/drawing/2010/main" xmlns="">
+                <a14:hiddenFill xmlns="" xmlns:a14="http://schemas.microsoft.com/office/drawing/2010/main">
                   <a:solidFill>
                     <a:srgbClr val="FFFFFF"/>
                   </a:solidFill>
@@ -5036,7 +5036,7 @@
             <a:noFill/>
             <a:extLst>
               <a:ext uri="{909E8E84-426E-40dd-AFC4-6F175D3DCCD1}">
-                <a14:hiddenFill xmlns:a14="http://schemas.microsoft.com/office/drawing/2010/main" xmlns="">
+                <a14:hiddenFill xmlns="" xmlns:a14="http://schemas.microsoft.com/office/drawing/2010/main">
                   <a:solidFill>
                     <a:srgbClr val="FFFFFF"/>
                   </a:solidFill>
@@ -5081,7 +5081,7 @@
             <a:noFill/>
             <a:extLst>
               <a:ext uri="{909E8E84-426E-40dd-AFC4-6F175D3DCCD1}">
-                <a14:hiddenFill xmlns:a14="http://schemas.microsoft.com/office/drawing/2010/main" xmlns="">
+                <a14:hiddenFill xmlns="" xmlns:a14="http://schemas.microsoft.com/office/drawing/2010/main">
                   <a:solidFill>
                     <a:srgbClr val="FFFFFF"/>
                   </a:solidFill>
@@ -5173,7 +5173,29 @@
               <a:rPr lang="en-US" sz="4400" dirty="0"/>
               <a:t>section!</a:t>
             </a:r>
-            <a:endParaRPr lang="en-US" sz="4400" b="1" dirty="0"/>
+          </a:p>
+          <a:p>
+            <a:pPr marL="0" indent="0" algn="ctr">
+              <a:buNone/>
+            </a:pPr>
+            <a:r>
+              <a:rPr lang="en-US" sz="4400" b="1" dirty="0">
+                <a:solidFill>
+                  <a:srgbClr val="FF0000"/>
+                </a:solidFill>
+              </a:rPr>
+              <a:t>PLEASE NOTIFY THE EXPERIMENTER!!!</a:t>
+            </a:r>
+          </a:p>
+          <a:p>
+            <a:pPr marL="0" indent="0" algn="ctr">
+              <a:buNone/>
+            </a:pPr>
+            <a:endParaRPr lang="en-US" sz="4400" b="1" dirty="0">
+              <a:solidFill>
+                <a:srgbClr val="FF0000"/>
+              </a:solidFill>
+            </a:endParaRPr>
           </a:p>
           <a:p>
             <a:pPr marL="4400550" lvl="8" indent="-742950">
@@ -5212,7 +5234,7 @@
             </a:pPr>
             <a:r>
               <a:rPr lang="en-US" sz="3000" b="1" dirty="0"/>
-              <a:t>Finish Survey</a:t>
+              <a:t>Experiment Survey</a:t>
             </a:r>
           </a:p>
           <a:p>
@@ -5220,24 +5242,6 @@
               <a:buNone/>
             </a:pPr>
             <a:endParaRPr lang="en-US" dirty="0"/>
-          </a:p>
-          <a:p>
-            <a:pPr marL="0" indent="0" algn="ctr">
-              <a:buNone/>
-            </a:pPr>
-            <a:r>
-              <a:rPr lang="en-US" b="1" dirty="0">
-                <a:solidFill>
-                  <a:schemeClr val="accent1"/>
-                </a:solidFill>
-              </a:rPr>
-              <a:t>You’re almost done! Click the exit button below and complete the remainder of the survey.</a:t>
-            </a:r>
-            <a:endParaRPr lang="en-US" sz="2400" b="1" dirty="0">
-              <a:solidFill>
-                <a:schemeClr val="accent1"/>
-              </a:solidFill>
-            </a:endParaRPr>
           </a:p>
         </p:txBody>
       </p:sp>
